--- a/#00 - Material de Apoio/00 - Fundamentos de C#/04 - Linguagem de Programação com C#/PPTs/07 - Palavras-chave.pptx
+++ b/#00 - Material de Apoio/00 - Fundamentos de C#/04 - Linguagem de Programação com C#/PPTs/07 - Palavras-chave.pptx
@@ -196,7 +196,7 @@
           <a:p>
             <a:fld id="{139EEEC3-02C9-4141-B0CF-4C776CBE4D81}" type="datetimeFigureOut">
               <a:rPr lang="pt-BR" smtClean="0"/>
-              <a:t>15/03/2021</a:t>
+              <a:t>13/04/2021</a:t>
             </a:fld>
             <a:endParaRPr lang="pt-BR"/>
           </a:p>
@@ -603,7 +603,7 @@
           <a:p>
             <a:fld id="{1D8BD707-D9CF-40AE-B4C6-C98DA3205C09}" type="datetimeFigureOut">
               <a:rPr lang="en-US"/>
-              <a:t>3/15/2021</a:t>
+              <a:t>4/13/2021</a:t>
             </a:fld>
             <a:endParaRPr lang="en-US"/>
           </a:p>
@@ -774,7 +774,7 @@
           <a:p>
             <a:fld id="{1D8BD707-D9CF-40AE-B4C6-C98DA3205C09}" type="datetimeFigureOut">
               <a:rPr lang="en-US"/>
-              <a:t>3/15/2021</a:t>
+              <a:t>4/13/2021</a:t>
             </a:fld>
             <a:endParaRPr lang="en-US"/>
           </a:p>
@@ -988,7 +988,7 @@
           <a:p>
             <a:fld id="{1D8BD707-D9CF-40AE-B4C6-C98DA3205C09}" type="datetimeFigureOut">
               <a:rPr lang="en-US"/>
-              <a:t>3/15/2021</a:t>
+              <a:t>4/13/2021</a:t>
             </a:fld>
             <a:endParaRPr lang="en-US"/>
           </a:p>
@@ -1231,7 +1231,7 @@
           <a:p>
             <a:fld id="{1D8BD707-D9CF-40AE-B4C6-C98DA3205C09}" type="datetimeFigureOut">
               <a:rPr lang="en-US"/>
-              <a:t>3/15/2021</a:t>
+              <a:t>4/13/2021</a:t>
             </a:fld>
             <a:endParaRPr lang="en-US"/>
           </a:p>
@@ -1350,7 +1350,7 @@
           <a:p>
             <a:fld id="{1D8BD707-D9CF-40AE-B4C6-C98DA3205C09}" type="datetimeFigureOut">
               <a:rPr lang="en-US"/>
-              <a:t>3/15/2021</a:t>
+              <a:t>4/13/2021</a:t>
             </a:fld>
             <a:endParaRPr lang="en-US"/>
           </a:p>
@@ -1685,7 +1685,7 @@
           <a:p>
             <a:fld id="{1D8BD707-D9CF-40AE-B4C6-C98DA3205C09}" type="datetimeFigureOut">
               <a:rPr lang="en-US"/>
-              <a:t>3/15/2021</a:t>
+              <a:t>4/13/2021</a:t>
             </a:fld>
             <a:endParaRPr lang="en-US"/>
           </a:p>
@@ -2496,13 +2496,6 @@
               </a:rPr>
               <a:t> é uma palavra-chave.</a:t>
             </a:r>
-            <a:endParaRPr lang="pt-BR" sz="4000" b="1" kern="0" spc="180" dirty="0">
-              <a:solidFill>
-                <a:schemeClr val="tx1"/>
-              </a:solidFill>
-              <a:latin typeface="Arial"/>
-              <a:cs typeface="Arial"/>
-            </a:endParaRPr>
           </a:p>
         </p:txBody>
       </p:sp>
